--- a/R1_PPT.pptx
+++ b/R1_PPT.pptx
@@ -8,17 +8,16 @@
     <p:sldId id="256" r:id="rId5"/>
     <p:sldId id="257" r:id="rId6"/>
     <p:sldId id="270" r:id="rId7"/>
-    <p:sldId id="271" r:id="rId8"/>
-    <p:sldId id="258" r:id="rId9"/>
-    <p:sldId id="259" r:id="rId10"/>
-    <p:sldId id="268" r:id="rId11"/>
-    <p:sldId id="260" r:id="rId12"/>
-    <p:sldId id="262" r:id="rId13"/>
-    <p:sldId id="267" r:id="rId14"/>
-    <p:sldId id="264" r:id="rId15"/>
-    <p:sldId id="265" r:id="rId16"/>
-    <p:sldId id="269" r:id="rId17"/>
-    <p:sldId id="266" r:id="rId18"/>
+    <p:sldId id="258" r:id="rId8"/>
+    <p:sldId id="259" r:id="rId9"/>
+    <p:sldId id="268" r:id="rId10"/>
+    <p:sldId id="260" r:id="rId11"/>
+    <p:sldId id="262" r:id="rId12"/>
+    <p:sldId id="267" r:id="rId13"/>
+    <p:sldId id="264" r:id="rId14"/>
+    <p:sldId id="265" r:id="rId15"/>
+    <p:sldId id="269" r:id="rId16"/>
+    <p:sldId id="266" r:id="rId17"/>
   </p:sldIdLst>
   <p:sldSz cx="12192000" cy="6858000"/>
   <p:notesSz cx="6858000" cy="9144000"/>
@@ -317,7 +316,7 @@
           <a:p>
             <a:fld id="{4994CE30-7D40-4BC0-BA0D-56C992D5B4BD}" type="datetimeFigureOut">
               <a:rPr lang="en-GB" smtClean="0"/>
-              <a:t>22/02/2025</a:t>
+              <a:t>24/03/2025</a:t>
             </a:fld>
             <a:endParaRPr lang="en-GB"/>
           </a:p>
@@ -485,7 +484,7 @@
           <a:p>
             <a:fld id="{4994CE30-7D40-4BC0-BA0D-56C992D5B4BD}" type="datetimeFigureOut">
               <a:rPr lang="en-GB" smtClean="0"/>
-              <a:t>22/02/2025</a:t>
+              <a:t>24/03/2025</a:t>
             </a:fld>
             <a:endParaRPr lang="en-GB"/>
           </a:p>
@@ -663,7 +662,7 @@
           <a:p>
             <a:fld id="{4994CE30-7D40-4BC0-BA0D-56C992D5B4BD}" type="datetimeFigureOut">
               <a:rPr lang="en-GB" smtClean="0"/>
-              <a:t>22/02/2025</a:t>
+              <a:t>24/03/2025</a:t>
             </a:fld>
             <a:endParaRPr lang="en-GB"/>
           </a:p>
@@ -878,7 +877,7 @@
           <a:p>
             <a:fld id="{4994CE30-7D40-4BC0-BA0D-56C992D5B4BD}" type="datetimeFigureOut">
               <a:rPr lang="en-GB" smtClean="0"/>
-              <a:t>22/02/2025</a:t>
+              <a:t>24/03/2025</a:t>
             </a:fld>
             <a:endParaRPr lang="en-GB"/>
           </a:p>
@@ -1123,7 +1122,7 @@
           <a:p>
             <a:fld id="{4994CE30-7D40-4BC0-BA0D-56C992D5B4BD}" type="datetimeFigureOut">
               <a:rPr lang="en-GB" smtClean="0"/>
-              <a:t>22/02/2025</a:t>
+              <a:t>24/03/2025</a:t>
             </a:fld>
             <a:endParaRPr lang="en-GB"/>
           </a:p>
@@ -1417,7 +1416,7 @@
           <a:p>
             <a:fld id="{4994CE30-7D40-4BC0-BA0D-56C992D5B4BD}" type="datetimeFigureOut">
               <a:rPr lang="en-GB" smtClean="0"/>
-              <a:t>22/02/2025</a:t>
+              <a:t>24/03/2025</a:t>
             </a:fld>
             <a:endParaRPr lang="en-GB"/>
           </a:p>
@@ -1845,7 +1844,7 @@
           <a:p>
             <a:fld id="{4994CE30-7D40-4BC0-BA0D-56C992D5B4BD}" type="datetimeFigureOut">
               <a:rPr lang="en-GB" smtClean="0"/>
-              <a:t>22/02/2025</a:t>
+              <a:t>24/03/2025</a:t>
             </a:fld>
             <a:endParaRPr lang="en-GB"/>
           </a:p>
@@ -1967,7 +1966,7 @@
           <a:p>
             <a:fld id="{4994CE30-7D40-4BC0-BA0D-56C992D5B4BD}" type="datetimeFigureOut">
               <a:rPr lang="en-GB" smtClean="0"/>
-              <a:t>22/02/2025</a:t>
+              <a:t>24/03/2025</a:t>
             </a:fld>
             <a:endParaRPr lang="en-GB"/>
           </a:p>
@@ -2103,7 +2102,7 @@
           <a:p>
             <a:fld id="{4994CE30-7D40-4BC0-BA0D-56C992D5B4BD}" type="datetimeFigureOut">
               <a:rPr lang="en-GB" smtClean="0"/>
-              <a:t>22/02/2025</a:t>
+              <a:t>24/03/2025</a:t>
             </a:fld>
             <a:endParaRPr lang="en-GB"/>
           </a:p>
@@ -2378,7 +2377,7 @@
           <a:p>
             <a:fld id="{4994CE30-7D40-4BC0-BA0D-56C992D5B4BD}" type="datetimeFigureOut">
               <a:rPr lang="en-GB" smtClean="0"/>
-              <a:t>22/02/2025</a:t>
+              <a:t>24/03/2025</a:t>
             </a:fld>
             <a:endParaRPr lang="en-GB"/>
           </a:p>
@@ -2634,7 +2633,7 @@
           <a:p>
             <a:fld id="{4994CE30-7D40-4BC0-BA0D-56C992D5B4BD}" type="datetimeFigureOut">
               <a:rPr lang="en-GB" smtClean="0"/>
-              <a:t>22/02/2025</a:t>
+              <a:t>24/03/2025</a:t>
             </a:fld>
             <a:endParaRPr lang="en-GB"/>
           </a:p>
@@ -2850,7 +2849,7 @@
           <a:p>
             <a:fld id="{4994CE30-7D40-4BC0-BA0D-56C992D5B4BD}" type="datetimeFigureOut">
               <a:rPr lang="en-GB" smtClean="0"/>
-              <a:t>22/02/2025</a:t>
+              <a:t>24/03/2025</a:t>
             </a:fld>
             <a:endParaRPr lang="en-GB"/>
           </a:p>
@@ -3410,7 +3409,7 @@
         </p:nvSpPr>
         <p:spPr>
           <a:xfrm>
-            <a:off x="6454795" y="3274140"/>
+            <a:off x="6465681" y="3285026"/>
             <a:ext cx="5514292" cy="2433485"/>
           </a:xfrm>
           <a:prstGeom prst="rect">
@@ -4063,216 +4062,6 @@
       </p:grpSpPr>
       <p:sp>
         <p:nvSpPr>
-          <p:cNvPr id="2" name="Title 1">
-            <a:extLst>
-              <a:ext uri="{FF2B5EF4-FFF2-40B4-BE49-F238E27FC236}">
-                <a16:creationId xmlns:a16="http://schemas.microsoft.com/office/drawing/2014/main" id="{C4356EE3-03CB-AD2D-2F3C-1D576EBF0366}"/>
-              </a:ext>
-            </a:extLst>
-          </p:cNvPr>
-          <p:cNvSpPr>
-            <a:spLocks noGrp="1"/>
-          </p:cNvSpPr>
-          <p:nvPr>
-            <p:ph type="title"/>
-          </p:nvPr>
-        </p:nvSpPr>
-        <p:spPr/>
-        <p:txBody>
-          <a:bodyPr/>
-          <a:lstStyle/>
-          <a:p>
-            <a:r>
-              <a:rPr lang="en-IN" dirty="0"/>
-              <a:t>Expected Outcomes</a:t>
-            </a:r>
-          </a:p>
-        </p:txBody>
-      </p:sp>
-      <p:sp>
-        <p:nvSpPr>
-          <p:cNvPr id="8" name="Rectangle 4">
-            <a:extLst>
-              <a:ext uri="{FF2B5EF4-FFF2-40B4-BE49-F238E27FC236}">
-                <a16:creationId xmlns:a16="http://schemas.microsoft.com/office/drawing/2014/main" id="{012EC7E6-06E9-0628-E9CA-9F46FB4D312C}"/>
-              </a:ext>
-            </a:extLst>
-          </p:cNvPr>
-          <p:cNvSpPr>
-            <a:spLocks noGrp="1" noChangeArrowheads="1"/>
-          </p:cNvSpPr>
-          <p:nvPr>
-            <p:ph idx="1"/>
-          </p:nvPr>
-        </p:nvSpPr>
-        <p:spPr bwMode="auto">
-          <a:xfrm>
-            <a:off x="381895" y="107658"/>
-            <a:ext cx="11232266" cy="4015202"/>
-          </a:xfrm>
-          <a:prstGeom prst="rect">
-            <a:avLst/>
-          </a:prstGeom>
-          <a:noFill/>
-          <a:ln>
-            <a:noFill/>
-          </a:ln>
-          <a:effectLst/>
-          <a:extLst>
-            <a:ext uri="{909E8E84-426E-40DD-AFC4-6F175D3DCCD1}">
-              <a14:hiddenFill xmlns:a14="http://schemas.microsoft.com/office/drawing/2010/main">
-                <a:solidFill>
-                  <a:schemeClr val="accent1"/>
-                </a:solidFill>
-              </a14:hiddenFill>
-            </a:ext>
-            <a:ext uri="{91240B29-F687-4F45-9708-019B960494DF}">
-              <a14:hiddenLine xmlns:a14="http://schemas.microsoft.com/office/drawing/2010/main" w="9525">
-                <a:solidFill>
-                  <a:schemeClr val="tx1"/>
-                </a:solidFill>
-                <a:miter lim="800000"/>
-                <a:headEnd/>
-                <a:tailEnd/>
-              </a14:hiddenLine>
-            </a:ext>
-            <a:ext uri="{AF507438-7753-43E0-B8FC-AC1667EBCBE1}">
-              <a14:hiddenEffects xmlns:a14="http://schemas.microsoft.com/office/drawing/2010/main">
-                <a:effectLst>
-                  <a:outerShdw dist="35921" dir="2700000" algn="ctr" rotWithShape="0">
-                    <a:schemeClr val="bg2"/>
-                  </a:outerShdw>
-                </a:effectLst>
-              </a14:hiddenEffects>
-            </a:ext>
-          </a:extLst>
-        </p:spPr>
-        <p:txBody>
-          <a:bodyPr vert="horz" wrap="square" lIns="91440" tIns="45720" rIns="91440" bIns="45720" numCol="1" anchor="ctr" anchorCtr="0" compatLnSpc="1">
-            <a:prstTxWarp prst="textNoShape">
-              <a:avLst/>
-            </a:prstTxWarp>
-            <a:spAutoFit/>
-          </a:bodyPr>
-          <a:lstStyle/>
-          <a:p>
-            <a:pPr marL="0" indent="0">
-              <a:buNone/>
-            </a:pPr>
-            <a:endParaRPr lang="en-GB" sz="1800" dirty="0">
-              <a:effectLst/>
-              <a:latin typeface="Times New Roman" panose="02020603050405020304" pitchFamily="18" charset="0"/>
-              <a:ea typeface="Times New Roman" panose="02020603050405020304" pitchFamily="18" charset="0"/>
-            </a:endParaRPr>
-          </a:p>
-          <a:p>
-            <a:pPr marL="0" indent="0" algn="just">
-              <a:buNone/>
-            </a:pPr>
-            <a:r>
-              <a:rPr lang="en-US" sz="1800" dirty="0">
-                <a:effectLst/>
-                <a:latin typeface="Times New Roman" panose="02020603050405020304" pitchFamily="18" charset="0"/>
-                <a:ea typeface="Times New Roman" panose="02020603050405020304" pitchFamily="18" charset="0"/>
-              </a:rPr>
-              <a:t> </a:t>
-            </a:r>
-            <a:endParaRPr lang="en-GB" sz="1800" dirty="0">
-              <a:effectLst/>
-              <a:latin typeface="Times New Roman" panose="02020603050405020304" pitchFamily="18" charset="0"/>
-              <a:ea typeface="Times New Roman" panose="02020603050405020304" pitchFamily="18" charset="0"/>
-            </a:endParaRPr>
-          </a:p>
-          <a:p>
-            <a:pPr algn="just">
-              <a:lnSpc>
-                <a:spcPct val="150000"/>
-              </a:lnSpc>
-            </a:pPr>
-            <a:r>
-              <a:rPr lang="en-US" b="1" dirty="0">
-                <a:effectLst/>
-                <a:latin typeface="Times New Roman" panose="02020603050405020304" pitchFamily="18" charset="0"/>
-                <a:ea typeface="Times New Roman" panose="02020603050405020304" pitchFamily="18" charset="0"/>
-              </a:rPr>
-              <a:t>Enhanced Detection Accuracy:</a:t>
-            </a:r>
-            <a:r>
-              <a:rPr lang="en-US" dirty="0">
-                <a:effectLst/>
-                <a:latin typeface="Times New Roman" panose="02020603050405020304" pitchFamily="18" charset="0"/>
-                <a:ea typeface="Times New Roman" panose="02020603050405020304" pitchFamily="18" charset="0"/>
-              </a:rPr>
-              <a:t> The system is designed to significantly improve oil spill detection accuracy by integrating advanced machine learning and deep learning models with multi-source data. This integration leverages detailed spectral and spatial features from SAR imagery and AIS vessel data, ensuring that subtle indicators of oil spills are captured while minimizing false positives.</a:t>
-            </a:r>
-            <a:endParaRPr lang="en-GB" dirty="0">
-              <a:effectLst/>
-              <a:latin typeface="Times New Roman" panose="02020603050405020304" pitchFamily="18" charset="0"/>
-              <a:ea typeface="Times New Roman" panose="02020603050405020304" pitchFamily="18" charset="0"/>
-            </a:endParaRPr>
-          </a:p>
-          <a:p>
-            <a:pPr marL="0" marR="0" lvl="0" indent="0" algn="l" defTabSz="914400" rtl="0" eaLnBrk="0" fontAlgn="base" latinLnBrk="0" hangingPunct="0">
-              <a:lnSpc>
-                <a:spcPct val="200000"/>
-              </a:lnSpc>
-              <a:spcBef>
-                <a:spcPct val="0"/>
-              </a:spcBef>
-              <a:spcAft>
-                <a:spcPct val="0"/>
-              </a:spcAft>
-              <a:buClrTx/>
-              <a:buSzTx/>
-              <a:buNone/>
-              <a:tabLst/>
-            </a:pPr>
-            <a:endParaRPr kumimoji="0" lang="en-US" altLang="en-US" sz="1800" b="0" i="0" u="none" strike="noStrike" cap="none" normalizeH="0" baseline="0" dirty="0">
-              <a:ln>
-                <a:noFill/>
-              </a:ln>
-              <a:solidFill>
-                <a:schemeClr val="tx1"/>
-              </a:solidFill>
-              <a:effectLst/>
-              <a:latin typeface="Times New Roman" panose="02020603050405020304" pitchFamily="18" charset="0"/>
-              <a:cs typeface="Times New Roman" panose="02020603050405020304" pitchFamily="18" charset="0"/>
-            </a:endParaRPr>
-          </a:p>
-        </p:txBody>
-      </p:sp>
-    </p:spTree>
-    <p:extLst>
-      <p:ext uri="{BB962C8B-B14F-4D97-AF65-F5344CB8AC3E}">
-        <p14:creationId xmlns:p14="http://schemas.microsoft.com/office/powerpoint/2010/main" val="3810191117"/>
-      </p:ext>
-    </p:extLst>
-  </p:cSld>
-  <p:clrMapOvr>
-    <a:masterClrMapping/>
-  </p:clrMapOvr>
-</p:sld>
-</file>
-
-<file path=ppt/slides/slide11.xml><?xml version="1.0" encoding="utf-8"?>
-<p:sld xmlns:a="http://schemas.openxmlformats.org/drawingml/2006/main" xmlns:r="http://schemas.openxmlformats.org/officeDocument/2006/relationships" xmlns:p="http://schemas.openxmlformats.org/presentationml/2006/main">
-  <p:cSld>
-    <p:spTree>
-      <p:nvGrpSpPr>
-        <p:cNvPr id="1" name=""/>
-        <p:cNvGrpSpPr/>
-        <p:nvPr/>
-      </p:nvGrpSpPr>
-      <p:grpSpPr>
-        <a:xfrm>
-          <a:off x="0" y="0"/>
-          <a:ext cx="0" cy="0"/>
-          <a:chOff x="0" y="0"/>
-          <a:chExt cx="0" cy="0"/>
-        </a:xfrm>
-      </p:grpSpPr>
-      <p:sp>
-        <p:nvSpPr>
           <p:cNvPr id="2" name="Title 1"/>
           <p:cNvSpPr>
             <a:spLocks noGrp="1"/>
@@ -4469,6 +4258,320 @@
 </p:sld>
 </file>
 
+<file path=ppt/slides/slide11.xml><?xml version="1.0" encoding="utf-8"?>
+<p:sld xmlns:a="http://schemas.openxmlformats.org/drawingml/2006/main" xmlns:r="http://schemas.openxmlformats.org/officeDocument/2006/relationships" xmlns:p="http://schemas.openxmlformats.org/presentationml/2006/main">
+  <p:cSld>
+    <p:spTree>
+      <p:nvGrpSpPr>
+        <p:cNvPr id="1" name=""/>
+        <p:cNvGrpSpPr/>
+        <p:nvPr/>
+      </p:nvGrpSpPr>
+      <p:grpSpPr>
+        <a:xfrm>
+          <a:off x="0" y="0"/>
+          <a:ext cx="0" cy="0"/>
+          <a:chOff x="0" y="0"/>
+          <a:chExt cx="0" cy="0"/>
+        </a:xfrm>
+      </p:grpSpPr>
+      <p:sp>
+        <p:nvSpPr>
+          <p:cNvPr id="2" name="Title 1"/>
+          <p:cNvSpPr>
+            <a:spLocks noGrp="1"/>
+          </p:cNvSpPr>
+          <p:nvPr>
+            <p:ph type="title"/>
+          </p:nvPr>
+        </p:nvSpPr>
+        <p:spPr/>
+        <p:txBody>
+          <a:bodyPr/>
+          <a:lstStyle/>
+          <a:p>
+            <a:r>
+              <a:rPr lang="en-GB" dirty="0"/>
+              <a:t>References</a:t>
+            </a:r>
+          </a:p>
+        </p:txBody>
+      </p:sp>
+      <p:sp>
+        <p:nvSpPr>
+          <p:cNvPr id="3" name="Content Placeholder 2"/>
+          <p:cNvSpPr>
+            <a:spLocks noGrp="1"/>
+          </p:cNvSpPr>
+          <p:nvPr>
+            <p:ph idx="1"/>
+          </p:nvPr>
+        </p:nvSpPr>
+        <p:spPr/>
+        <p:txBody>
+          <a:bodyPr>
+            <a:noAutofit/>
+          </a:bodyPr>
+          <a:lstStyle/>
+          <a:p>
+            <a:pPr marL="0" indent="0" algn="just">
+              <a:lnSpc>
+                <a:spcPct val="150000"/>
+              </a:lnSpc>
+              <a:buNone/>
+            </a:pPr>
+            <a:r>
+              <a:rPr lang="en-IN" sz="1400" dirty="0">
+                <a:latin typeface="Times New Roman" panose="02020603050405020304" pitchFamily="18" charset="0"/>
+                <a:cs typeface="Times New Roman" panose="02020603050405020304" pitchFamily="18" charset="0"/>
+              </a:rPr>
+              <a:t>[1] A. Solberg, “Remote sensing of ocean oil-spill pollution,” Proc. IEEE, vol. 100, no. 10, pp. 2931–2945, Oct. 2012. </a:t>
+            </a:r>
+          </a:p>
+          <a:p>
+            <a:pPr marL="0" indent="0" algn="just">
+              <a:lnSpc>
+                <a:spcPct val="150000"/>
+              </a:lnSpc>
+              <a:buNone/>
+            </a:pPr>
+            <a:r>
+              <a:rPr lang="en-IN" sz="1400" dirty="0">
+                <a:latin typeface="Times New Roman" panose="02020603050405020304" pitchFamily="18" charset="0"/>
+                <a:cs typeface="Times New Roman" panose="02020603050405020304" pitchFamily="18" charset="0"/>
+              </a:rPr>
+              <a:t>[2] M. M. Espeseth, C. Brekke, C. E. Jones, B. Holt, and A. Freeman, “The impact of system noise in polarimetric SAR imagery on oil spill observations,” IEEE Trans. </a:t>
+            </a:r>
+            <a:r>
+              <a:rPr lang="en-IN" sz="1400" dirty="0" err="1">
+                <a:latin typeface="Times New Roman" panose="02020603050405020304" pitchFamily="18" charset="0"/>
+                <a:cs typeface="Times New Roman" panose="02020603050405020304" pitchFamily="18" charset="0"/>
+              </a:rPr>
+              <a:t>Geosci</a:t>
+            </a:r>
+            <a:r>
+              <a:rPr lang="en-IN" sz="1400" dirty="0">
+                <a:latin typeface="Times New Roman" panose="02020603050405020304" pitchFamily="18" charset="0"/>
+                <a:cs typeface="Times New Roman" panose="02020603050405020304" pitchFamily="18" charset="0"/>
+              </a:rPr>
+              <a:t>. Remote Sens., vol. 58, no. 6, pp. 4194–4214, Jun. 2020. </a:t>
+            </a:r>
+          </a:p>
+          <a:p>
+            <a:pPr marL="0" indent="0" algn="just">
+              <a:lnSpc>
+                <a:spcPct val="150000"/>
+              </a:lnSpc>
+              <a:buNone/>
+            </a:pPr>
+            <a:r>
+              <a:rPr lang="en-IN" sz="1400" dirty="0">
+                <a:latin typeface="Times New Roman" panose="02020603050405020304" pitchFamily="18" charset="0"/>
+                <a:cs typeface="Times New Roman" panose="02020603050405020304" pitchFamily="18" charset="0"/>
+              </a:rPr>
+              <a:t>[3] A. H. S. Solberg, C. Brekke, and P. O. </a:t>
+            </a:r>
+            <a:r>
+              <a:rPr lang="en-IN" sz="1400" dirty="0" err="1">
+                <a:latin typeface="Times New Roman" panose="02020603050405020304" pitchFamily="18" charset="0"/>
+                <a:cs typeface="Times New Roman" panose="02020603050405020304" pitchFamily="18" charset="0"/>
+              </a:rPr>
+              <a:t>Husoy</a:t>
+            </a:r>
+            <a:r>
+              <a:rPr lang="en-IN" sz="1400" dirty="0">
+                <a:latin typeface="Times New Roman" panose="02020603050405020304" pitchFamily="18" charset="0"/>
+                <a:cs typeface="Times New Roman" panose="02020603050405020304" pitchFamily="18" charset="0"/>
+              </a:rPr>
+              <a:t>, “Oil spill detection in </a:t>
+            </a:r>
+            <a:r>
+              <a:rPr lang="en-IN" sz="1400" dirty="0" err="1">
+                <a:latin typeface="Times New Roman" panose="02020603050405020304" pitchFamily="18" charset="0"/>
+                <a:cs typeface="Times New Roman" panose="02020603050405020304" pitchFamily="18" charset="0"/>
+              </a:rPr>
+              <a:t>Radarsat</a:t>
+            </a:r>
+            <a:r>
+              <a:rPr lang="en-IN" sz="1400" dirty="0">
+                <a:latin typeface="Times New Roman" panose="02020603050405020304" pitchFamily="18" charset="0"/>
+                <a:cs typeface="Times New Roman" panose="02020603050405020304" pitchFamily="18" charset="0"/>
+              </a:rPr>
+              <a:t> and Envisat SAR images,” IEEE Trans. </a:t>
+            </a:r>
+            <a:r>
+              <a:rPr lang="en-IN" sz="1400" dirty="0" err="1">
+                <a:latin typeface="Times New Roman" panose="02020603050405020304" pitchFamily="18" charset="0"/>
+                <a:cs typeface="Times New Roman" panose="02020603050405020304" pitchFamily="18" charset="0"/>
+              </a:rPr>
+              <a:t>Geosci</a:t>
+            </a:r>
+            <a:r>
+              <a:rPr lang="en-IN" sz="1400" dirty="0">
+                <a:latin typeface="Times New Roman" panose="02020603050405020304" pitchFamily="18" charset="0"/>
+                <a:cs typeface="Times New Roman" panose="02020603050405020304" pitchFamily="18" charset="0"/>
+              </a:rPr>
+              <a:t>. Remote Sens., vol. 45, no. 3, pp. 746–755, Mar. 2007. </a:t>
+            </a:r>
+          </a:p>
+          <a:p>
+            <a:pPr marL="0" indent="0" algn="just">
+              <a:lnSpc>
+                <a:spcPct val="150000"/>
+              </a:lnSpc>
+              <a:buNone/>
+            </a:pPr>
+            <a:r>
+              <a:rPr lang="en-IN" sz="1400" dirty="0">
+                <a:latin typeface="Times New Roman" panose="02020603050405020304" pitchFamily="18" charset="0"/>
+                <a:cs typeface="Times New Roman" panose="02020603050405020304" pitchFamily="18" charset="0"/>
+              </a:rPr>
+              <a:t>[4] O. Garcia-Pineda et al., “Classification of oil spill by thicknesses using multiple remote sensors,” Remote Sens. Environ., vol. 236, 2020, Art. no. 111421.</a:t>
+            </a:r>
+            <a:r>
+              <a:rPr lang="en-IN" sz="2000" dirty="0"/>
+              <a:t> </a:t>
+            </a:r>
+          </a:p>
+          <a:p>
+            <a:pPr marL="0" indent="0" algn="just">
+              <a:lnSpc>
+                <a:spcPct val="150000"/>
+              </a:lnSpc>
+              <a:buNone/>
+            </a:pPr>
+            <a:r>
+              <a:rPr lang="en-IN" sz="1200" dirty="0"/>
+              <a:t>[5] M. Migliaccio, A. Gambardella, and M. </a:t>
+            </a:r>
+            <a:r>
+              <a:rPr lang="en-IN" sz="1200" dirty="0" err="1"/>
+              <a:t>Tranfaglia</a:t>
+            </a:r>
+            <a:r>
+              <a:rPr lang="en-IN" sz="1200" dirty="0"/>
+              <a:t>, “SAR polarimetry to observe oil spills,” IEEE Trans. </a:t>
+            </a:r>
+            <a:r>
+              <a:rPr lang="en-IN" sz="1200" dirty="0" err="1"/>
+              <a:t>Geosci</a:t>
+            </a:r>
+            <a:r>
+              <a:rPr lang="en-IN" sz="1200" dirty="0"/>
+              <a:t>. Remote Sens., vol. 45, no. 2, pp. 506–511, Feb. 2007. </a:t>
+            </a:r>
+          </a:p>
+          <a:p>
+            <a:pPr marL="0" indent="0" algn="just">
+              <a:lnSpc>
+                <a:spcPct val="150000"/>
+              </a:lnSpc>
+              <a:buNone/>
+            </a:pPr>
+            <a:r>
+              <a:rPr lang="en-IN" sz="1400" dirty="0">
+                <a:latin typeface="Times New Roman" panose="02020603050405020304" pitchFamily="18" charset="0"/>
+                <a:cs typeface="Times New Roman" panose="02020603050405020304" pitchFamily="18" charset="0"/>
+              </a:rPr>
+              <a:t>[6] Y. Dong, Y. Liu, C. Hu, I. R. MacDonald, and Y. Lu, “Chronic oiling in global oceans,” Science, vol. 376, no. 6599, pp. 1300–1304, 2022. </a:t>
+            </a:r>
+          </a:p>
+          <a:p>
+            <a:pPr marL="0" indent="0" algn="just">
+              <a:lnSpc>
+                <a:spcPct val="150000"/>
+              </a:lnSpc>
+              <a:buNone/>
+            </a:pPr>
+            <a:r>
+              <a:rPr lang="en-IN" sz="1400" dirty="0">
+                <a:latin typeface="Times New Roman" panose="02020603050405020304" pitchFamily="18" charset="0"/>
+                <a:cs typeface="Times New Roman" panose="02020603050405020304" pitchFamily="18" charset="0"/>
+              </a:rPr>
+              <a:t>[7] Y. Li and Y. Zhang, “Synthetic aperture radar oil spills detection based on morphological characteristics,” Geo-Spatial Inf. Sci., vol. 17, no. 1, pp. 8–16, 2014.</a:t>
+            </a:r>
+          </a:p>
+          <a:p>
+            <a:pPr marL="0" indent="0" algn="just">
+              <a:lnSpc>
+                <a:spcPct val="150000"/>
+              </a:lnSpc>
+              <a:buNone/>
+            </a:pPr>
+            <a:r>
+              <a:rPr lang="en-IN" sz="1400" dirty="0">
+                <a:latin typeface="Times New Roman" panose="02020603050405020304" pitchFamily="18" charset="0"/>
+                <a:cs typeface="Times New Roman" panose="02020603050405020304" pitchFamily="18" charset="0"/>
+              </a:rPr>
+              <a:t> [8] S. Tong, X. Liu, Q. Chen, Z. Zhang, and G. Xie, “Multi-feature based ocean oil spill detection for polarimetric SAR data using random forest and the self-similarity parameter,” Remote Sens., vol. 11, no. 4, pp. 1–20, 2019, Art. no. 451, </a:t>
+            </a:r>
+            <a:r>
+              <a:rPr lang="en-IN" sz="1400" dirty="0" err="1">
+                <a:latin typeface="Times New Roman" panose="02020603050405020304" pitchFamily="18" charset="0"/>
+                <a:cs typeface="Times New Roman" panose="02020603050405020304" pitchFamily="18" charset="0"/>
+              </a:rPr>
+              <a:t>doi</a:t>
+            </a:r>
+            <a:r>
+              <a:rPr lang="en-IN" sz="1400" dirty="0">
+                <a:latin typeface="Times New Roman" panose="02020603050405020304" pitchFamily="18" charset="0"/>
+                <a:cs typeface="Times New Roman" panose="02020603050405020304" pitchFamily="18" charset="0"/>
+              </a:rPr>
+              <a:t>: 10.3390/rs11040451. </a:t>
+            </a:r>
+          </a:p>
+          <a:p>
+            <a:pPr marL="0" indent="0" algn="just">
+              <a:lnSpc>
+                <a:spcPct val="150000"/>
+              </a:lnSpc>
+              <a:buNone/>
+            </a:pPr>
+            <a:r>
+              <a:rPr lang="en-IN" sz="1400" dirty="0">
+                <a:latin typeface="Times New Roman" panose="02020603050405020304" pitchFamily="18" charset="0"/>
+                <a:cs typeface="Times New Roman" panose="02020603050405020304" pitchFamily="18" charset="0"/>
+              </a:rPr>
+              <a:t>[</a:t>
+            </a:r>
+            <a:endParaRPr lang="en-US" sz="1400" dirty="0">
+              <a:latin typeface="Times New Roman" panose="02020603050405020304" pitchFamily="18" charset="0"/>
+              <a:cs typeface="Times New Roman" panose="02020603050405020304" pitchFamily="18" charset="0"/>
+            </a:endParaRPr>
+          </a:p>
+          <a:p>
+            <a:pPr marL="0" indent="0" algn="just">
+              <a:lnSpc>
+                <a:spcPct val="150000"/>
+              </a:lnSpc>
+              <a:buNone/>
+            </a:pPr>
+            <a:endParaRPr lang="en-IN" sz="1400" dirty="0">
+              <a:latin typeface="Times New Roman" panose="02020603050405020304" pitchFamily="18" charset="0"/>
+              <a:cs typeface="Times New Roman" panose="02020603050405020304" pitchFamily="18" charset="0"/>
+            </a:endParaRPr>
+          </a:p>
+          <a:p>
+            <a:pPr marL="0" indent="0">
+              <a:buNone/>
+            </a:pPr>
+            <a:endParaRPr lang="en-GB" sz="1800" dirty="0"/>
+          </a:p>
+        </p:txBody>
+      </p:sp>
+    </p:spTree>
+    <p:extLst>
+      <p:ext uri="{BB962C8B-B14F-4D97-AF65-F5344CB8AC3E}">
+        <p14:creationId xmlns:p14="http://schemas.microsoft.com/office/powerpoint/2010/main" val="3613863315"/>
+      </p:ext>
+    </p:extLst>
+  </p:cSld>
+  <p:clrMapOvr>
+    <a:masterClrMapping/>
+  </p:clrMapOvr>
+</p:sld>
+</file>
+
 <file path=ppt/slides/slide12.xml><?xml version="1.0" encoding="utf-8"?>
 <p:sld xmlns:a="http://schemas.openxmlformats.org/drawingml/2006/main" xmlns:r="http://schemas.openxmlformats.org/officeDocument/2006/relationships" xmlns:p="http://schemas.openxmlformats.org/presentationml/2006/main">
   <p:cSld>
@@ -4488,320 +4591,6 @@
       </p:grpSpPr>
       <p:sp>
         <p:nvSpPr>
-          <p:cNvPr id="2" name="Title 1"/>
-          <p:cNvSpPr>
-            <a:spLocks noGrp="1"/>
-          </p:cNvSpPr>
-          <p:nvPr>
-            <p:ph type="title"/>
-          </p:nvPr>
-        </p:nvSpPr>
-        <p:spPr/>
-        <p:txBody>
-          <a:bodyPr/>
-          <a:lstStyle/>
-          <a:p>
-            <a:r>
-              <a:rPr lang="en-GB" dirty="0"/>
-              <a:t>References</a:t>
-            </a:r>
-          </a:p>
-        </p:txBody>
-      </p:sp>
-      <p:sp>
-        <p:nvSpPr>
-          <p:cNvPr id="3" name="Content Placeholder 2"/>
-          <p:cNvSpPr>
-            <a:spLocks noGrp="1"/>
-          </p:cNvSpPr>
-          <p:nvPr>
-            <p:ph idx="1"/>
-          </p:nvPr>
-        </p:nvSpPr>
-        <p:spPr/>
-        <p:txBody>
-          <a:bodyPr>
-            <a:noAutofit/>
-          </a:bodyPr>
-          <a:lstStyle/>
-          <a:p>
-            <a:pPr marL="0" indent="0" algn="just">
-              <a:lnSpc>
-                <a:spcPct val="150000"/>
-              </a:lnSpc>
-              <a:buNone/>
-            </a:pPr>
-            <a:r>
-              <a:rPr lang="en-IN" sz="1400" dirty="0">
-                <a:latin typeface="Times New Roman" panose="02020603050405020304" pitchFamily="18" charset="0"/>
-                <a:cs typeface="Times New Roman" panose="02020603050405020304" pitchFamily="18" charset="0"/>
-              </a:rPr>
-              <a:t>[1] A. Solberg, “Remote sensing of ocean oil-spill pollution,” Proc. IEEE, vol. 100, no. 10, pp. 2931–2945, Oct. 2012. </a:t>
-            </a:r>
-          </a:p>
-          <a:p>
-            <a:pPr marL="0" indent="0" algn="just">
-              <a:lnSpc>
-                <a:spcPct val="150000"/>
-              </a:lnSpc>
-              <a:buNone/>
-            </a:pPr>
-            <a:r>
-              <a:rPr lang="en-IN" sz="1400" dirty="0">
-                <a:latin typeface="Times New Roman" panose="02020603050405020304" pitchFamily="18" charset="0"/>
-                <a:cs typeface="Times New Roman" panose="02020603050405020304" pitchFamily="18" charset="0"/>
-              </a:rPr>
-              <a:t>[2] M. M. Espeseth, C. Brekke, C. E. Jones, B. Holt, and A. Freeman, “The impact of system noise in polarimetric SAR imagery on oil spill observations,” IEEE Trans. </a:t>
-            </a:r>
-            <a:r>
-              <a:rPr lang="en-IN" sz="1400" dirty="0" err="1">
-                <a:latin typeface="Times New Roman" panose="02020603050405020304" pitchFamily="18" charset="0"/>
-                <a:cs typeface="Times New Roman" panose="02020603050405020304" pitchFamily="18" charset="0"/>
-              </a:rPr>
-              <a:t>Geosci</a:t>
-            </a:r>
-            <a:r>
-              <a:rPr lang="en-IN" sz="1400" dirty="0">
-                <a:latin typeface="Times New Roman" panose="02020603050405020304" pitchFamily="18" charset="0"/>
-                <a:cs typeface="Times New Roman" panose="02020603050405020304" pitchFamily="18" charset="0"/>
-              </a:rPr>
-              <a:t>. Remote Sens., vol. 58, no. 6, pp. 4194–4214, Jun. 2020. </a:t>
-            </a:r>
-          </a:p>
-          <a:p>
-            <a:pPr marL="0" indent="0" algn="just">
-              <a:lnSpc>
-                <a:spcPct val="150000"/>
-              </a:lnSpc>
-              <a:buNone/>
-            </a:pPr>
-            <a:r>
-              <a:rPr lang="en-IN" sz="1400" dirty="0">
-                <a:latin typeface="Times New Roman" panose="02020603050405020304" pitchFamily="18" charset="0"/>
-                <a:cs typeface="Times New Roman" panose="02020603050405020304" pitchFamily="18" charset="0"/>
-              </a:rPr>
-              <a:t>[3] A. H. S. Solberg, C. Brekke, and P. O. </a:t>
-            </a:r>
-            <a:r>
-              <a:rPr lang="en-IN" sz="1400" dirty="0" err="1">
-                <a:latin typeface="Times New Roman" panose="02020603050405020304" pitchFamily="18" charset="0"/>
-                <a:cs typeface="Times New Roman" panose="02020603050405020304" pitchFamily="18" charset="0"/>
-              </a:rPr>
-              <a:t>Husoy</a:t>
-            </a:r>
-            <a:r>
-              <a:rPr lang="en-IN" sz="1400" dirty="0">
-                <a:latin typeface="Times New Roman" panose="02020603050405020304" pitchFamily="18" charset="0"/>
-                <a:cs typeface="Times New Roman" panose="02020603050405020304" pitchFamily="18" charset="0"/>
-              </a:rPr>
-              <a:t>, “Oil spill detection in </a:t>
-            </a:r>
-            <a:r>
-              <a:rPr lang="en-IN" sz="1400" dirty="0" err="1">
-                <a:latin typeface="Times New Roman" panose="02020603050405020304" pitchFamily="18" charset="0"/>
-                <a:cs typeface="Times New Roman" panose="02020603050405020304" pitchFamily="18" charset="0"/>
-              </a:rPr>
-              <a:t>Radarsat</a:t>
-            </a:r>
-            <a:r>
-              <a:rPr lang="en-IN" sz="1400" dirty="0">
-                <a:latin typeface="Times New Roman" panose="02020603050405020304" pitchFamily="18" charset="0"/>
-                <a:cs typeface="Times New Roman" panose="02020603050405020304" pitchFamily="18" charset="0"/>
-              </a:rPr>
-              <a:t> and Envisat SAR images,” IEEE Trans. </a:t>
-            </a:r>
-            <a:r>
-              <a:rPr lang="en-IN" sz="1400" dirty="0" err="1">
-                <a:latin typeface="Times New Roman" panose="02020603050405020304" pitchFamily="18" charset="0"/>
-                <a:cs typeface="Times New Roman" panose="02020603050405020304" pitchFamily="18" charset="0"/>
-              </a:rPr>
-              <a:t>Geosci</a:t>
-            </a:r>
-            <a:r>
-              <a:rPr lang="en-IN" sz="1400" dirty="0">
-                <a:latin typeface="Times New Roman" panose="02020603050405020304" pitchFamily="18" charset="0"/>
-                <a:cs typeface="Times New Roman" panose="02020603050405020304" pitchFamily="18" charset="0"/>
-              </a:rPr>
-              <a:t>. Remote Sens., vol. 45, no. 3, pp. 746–755, Mar. 2007. </a:t>
-            </a:r>
-          </a:p>
-          <a:p>
-            <a:pPr marL="0" indent="0" algn="just">
-              <a:lnSpc>
-                <a:spcPct val="150000"/>
-              </a:lnSpc>
-              <a:buNone/>
-            </a:pPr>
-            <a:r>
-              <a:rPr lang="en-IN" sz="1400" dirty="0">
-                <a:latin typeface="Times New Roman" panose="02020603050405020304" pitchFamily="18" charset="0"/>
-                <a:cs typeface="Times New Roman" panose="02020603050405020304" pitchFamily="18" charset="0"/>
-              </a:rPr>
-              <a:t>[4] O. Garcia-Pineda et al., “Classification of oil spill by thicknesses using multiple remote sensors,” Remote Sens. Environ., vol. 236, 2020, Art. no. 111421.</a:t>
-            </a:r>
-            <a:r>
-              <a:rPr lang="en-IN" sz="2000" dirty="0"/>
-              <a:t> </a:t>
-            </a:r>
-          </a:p>
-          <a:p>
-            <a:pPr marL="0" indent="0" algn="just">
-              <a:lnSpc>
-                <a:spcPct val="150000"/>
-              </a:lnSpc>
-              <a:buNone/>
-            </a:pPr>
-            <a:r>
-              <a:rPr lang="en-IN" sz="1200" dirty="0"/>
-              <a:t>[5] M. Migliaccio, A. Gambardella, and M. </a:t>
-            </a:r>
-            <a:r>
-              <a:rPr lang="en-IN" sz="1200" dirty="0" err="1"/>
-              <a:t>Tranfaglia</a:t>
-            </a:r>
-            <a:r>
-              <a:rPr lang="en-IN" sz="1200" dirty="0"/>
-              <a:t>, “SAR polarimetry to observe oil spills,” IEEE Trans. </a:t>
-            </a:r>
-            <a:r>
-              <a:rPr lang="en-IN" sz="1200" dirty="0" err="1"/>
-              <a:t>Geosci</a:t>
-            </a:r>
-            <a:r>
-              <a:rPr lang="en-IN" sz="1200" dirty="0"/>
-              <a:t>. Remote Sens., vol. 45, no. 2, pp. 506–511, Feb. 2007. </a:t>
-            </a:r>
-          </a:p>
-          <a:p>
-            <a:pPr marL="0" indent="0" algn="just">
-              <a:lnSpc>
-                <a:spcPct val="150000"/>
-              </a:lnSpc>
-              <a:buNone/>
-            </a:pPr>
-            <a:r>
-              <a:rPr lang="en-IN" sz="1400" dirty="0">
-                <a:latin typeface="Times New Roman" panose="02020603050405020304" pitchFamily="18" charset="0"/>
-                <a:cs typeface="Times New Roman" panose="02020603050405020304" pitchFamily="18" charset="0"/>
-              </a:rPr>
-              <a:t>[6] Y. Dong, Y. Liu, C. Hu, I. R. MacDonald, and Y. Lu, “Chronic oiling in global oceans,” Science, vol. 376, no. 6599, pp. 1300–1304, 2022. </a:t>
-            </a:r>
-          </a:p>
-          <a:p>
-            <a:pPr marL="0" indent="0" algn="just">
-              <a:lnSpc>
-                <a:spcPct val="150000"/>
-              </a:lnSpc>
-              <a:buNone/>
-            </a:pPr>
-            <a:r>
-              <a:rPr lang="en-IN" sz="1400" dirty="0">
-                <a:latin typeface="Times New Roman" panose="02020603050405020304" pitchFamily="18" charset="0"/>
-                <a:cs typeface="Times New Roman" panose="02020603050405020304" pitchFamily="18" charset="0"/>
-              </a:rPr>
-              <a:t>[7] Y. Li and Y. Zhang, “Synthetic aperture radar oil spills detection based on morphological characteristics,” Geo-Spatial Inf. Sci., vol. 17, no. 1, pp. 8–16, 2014.</a:t>
-            </a:r>
-          </a:p>
-          <a:p>
-            <a:pPr marL="0" indent="0" algn="just">
-              <a:lnSpc>
-                <a:spcPct val="150000"/>
-              </a:lnSpc>
-              <a:buNone/>
-            </a:pPr>
-            <a:r>
-              <a:rPr lang="en-IN" sz="1400" dirty="0">
-                <a:latin typeface="Times New Roman" panose="02020603050405020304" pitchFamily="18" charset="0"/>
-                <a:cs typeface="Times New Roman" panose="02020603050405020304" pitchFamily="18" charset="0"/>
-              </a:rPr>
-              <a:t> [8] S. Tong, X. Liu, Q. Chen, Z. Zhang, and G. Xie, “Multi-feature based ocean oil spill detection for polarimetric SAR data using random forest and the self-similarity parameter,” Remote Sens., vol. 11, no. 4, pp. 1–20, 2019, Art. no. 451, </a:t>
-            </a:r>
-            <a:r>
-              <a:rPr lang="en-IN" sz="1400" dirty="0" err="1">
-                <a:latin typeface="Times New Roman" panose="02020603050405020304" pitchFamily="18" charset="0"/>
-                <a:cs typeface="Times New Roman" panose="02020603050405020304" pitchFamily="18" charset="0"/>
-              </a:rPr>
-              <a:t>doi</a:t>
-            </a:r>
-            <a:r>
-              <a:rPr lang="en-IN" sz="1400" dirty="0">
-                <a:latin typeface="Times New Roman" panose="02020603050405020304" pitchFamily="18" charset="0"/>
-                <a:cs typeface="Times New Roman" panose="02020603050405020304" pitchFamily="18" charset="0"/>
-              </a:rPr>
-              <a:t>: 10.3390/rs11040451. </a:t>
-            </a:r>
-          </a:p>
-          <a:p>
-            <a:pPr marL="0" indent="0" algn="just">
-              <a:lnSpc>
-                <a:spcPct val="150000"/>
-              </a:lnSpc>
-              <a:buNone/>
-            </a:pPr>
-            <a:r>
-              <a:rPr lang="en-IN" sz="1400" dirty="0">
-                <a:latin typeface="Times New Roman" panose="02020603050405020304" pitchFamily="18" charset="0"/>
-                <a:cs typeface="Times New Roman" panose="02020603050405020304" pitchFamily="18" charset="0"/>
-              </a:rPr>
-              <a:t>[</a:t>
-            </a:r>
-            <a:endParaRPr lang="en-US" sz="1400" dirty="0">
-              <a:latin typeface="Times New Roman" panose="02020603050405020304" pitchFamily="18" charset="0"/>
-              <a:cs typeface="Times New Roman" panose="02020603050405020304" pitchFamily="18" charset="0"/>
-            </a:endParaRPr>
-          </a:p>
-          <a:p>
-            <a:pPr marL="0" indent="0" algn="just">
-              <a:lnSpc>
-                <a:spcPct val="150000"/>
-              </a:lnSpc>
-              <a:buNone/>
-            </a:pPr>
-            <a:endParaRPr lang="en-IN" sz="1400" dirty="0">
-              <a:latin typeface="Times New Roman" panose="02020603050405020304" pitchFamily="18" charset="0"/>
-              <a:cs typeface="Times New Roman" panose="02020603050405020304" pitchFamily="18" charset="0"/>
-            </a:endParaRPr>
-          </a:p>
-          <a:p>
-            <a:pPr marL="0" indent="0">
-              <a:buNone/>
-            </a:pPr>
-            <a:endParaRPr lang="en-GB" sz="1800" dirty="0"/>
-          </a:p>
-        </p:txBody>
-      </p:sp>
-    </p:spTree>
-    <p:extLst>
-      <p:ext uri="{BB962C8B-B14F-4D97-AF65-F5344CB8AC3E}">
-        <p14:creationId xmlns:p14="http://schemas.microsoft.com/office/powerpoint/2010/main" val="3613863315"/>
-      </p:ext>
-    </p:extLst>
-  </p:cSld>
-  <p:clrMapOvr>
-    <a:masterClrMapping/>
-  </p:clrMapOvr>
-</p:sld>
-</file>
-
-<file path=ppt/slides/slide13.xml><?xml version="1.0" encoding="utf-8"?>
-<p:sld xmlns:a="http://schemas.openxmlformats.org/drawingml/2006/main" xmlns:r="http://schemas.openxmlformats.org/officeDocument/2006/relationships" xmlns:p="http://schemas.openxmlformats.org/presentationml/2006/main">
-  <p:cSld>
-    <p:spTree>
-      <p:nvGrpSpPr>
-        <p:cNvPr id="1" name=""/>
-        <p:cNvGrpSpPr/>
-        <p:nvPr/>
-      </p:nvGrpSpPr>
-      <p:grpSpPr>
-        <a:xfrm>
-          <a:off x="0" y="0"/>
-          <a:ext cx="0" cy="0"/>
-          <a:chOff x="0" y="0"/>
-          <a:chExt cx="0" cy="0"/>
-        </a:xfrm>
-      </p:grpSpPr>
-      <p:sp>
-        <p:nvSpPr>
           <p:cNvPr id="2" name="Title 1">
             <a:extLst>
               <a:ext uri="{FF2B5EF4-FFF2-40B4-BE49-F238E27FC236}">
@@ -4939,7 +4728,7 @@
 </p:sld>
 </file>
 
-<file path=ppt/slides/slide14.xml><?xml version="1.0" encoding="utf-8"?>
+<file path=ppt/slides/slide13.xml><?xml version="1.0" encoding="utf-8"?>
 <p:sld xmlns:a="http://schemas.openxmlformats.org/drawingml/2006/main" xmlns:r="http://schemas.openxmlformats.org/officeDocument/2006/relationships" xmlns:p="http://schemas.openxmlformats.org/presentationml/2006/main">
   <p:cSld>
     <p:spTree>
@@ -5385,174 +5174,6 @@
 </file>
 
 <file path=ppt/slides/slide4.xml><?xml version="1.0" encoding="utf-8"?>
-<p:sld xmlns:a="http://schemas.openxmlformats.org/drawingml/2006/main" xmlns:r="http://schemas.openxmlformats.org/officeDocument/2006/relationships" xmlns:p="http://schemas.openxmlformats.org/presentationml/2006/main">
-  <p:cSld>
-    <p:spTree>
-      <p:nvGrpSpPr>
-        <p:cNvPr id="1" name=""/>
-        <p:cNvGrpSpPr/>
-        <p:nvPr/>
-      </p:nvGrpSpPr>
-      <p:grpSpPr>
-        <a:xfrm>
-          <a:off x="0" y="0"/>
-          <a:ext cx="0" cy="0"/>
-          <a:chOff x="0" y="0"/>
-          <a:chExt cx="0" cy="0"/>
-        </a:xfrm>
-      </p:grpSpPr>
-      <p:sp>
-        <p:nvSpPr>
-          <p:cNvPr id="2" name="Title 1">
-            <a:extLst>
-              <a:ext uri="{FF2B5EF4-FFF2-40B4-BE49-F238E27FC236}">
-                <a16:creationId xmlns:a16="http://schemas.microsoft.com/office/drawing/2014/main" id="{B83EC891-2E7B-1A00-79C1-11255B0E2460}"/>
-              </a:ext>
-            </a:extLst>
-          </p:cNvPr>
-          <p:cNvSpPr>
-            <a:spLocks noGrp="1"/>
-          </p:cNvSpPr>
-          <p:nvPr>
-            <p:ph type="ctrTitle"/>
-          </p:nvPr>
-        </p:nvSpPr>
-        <p:spPr>
-          <a:xfrm>
-            <a:off x="735192" y="0"/>
-            <a:ext cx="10363200" cy="1470025"/>
-          </a:xfrm>
-        </p:spPr>
-        <p:txBody>
-          <a:bodyPr/>
-          <a:lstStyle/>
-          <a:p>
-            <a:r>
-              <a:rPr lang="en-US" dirty="0"/>
-              <a:t>DATASET</a:t>
-            </a:r>
-          </a:p>
-        </p:txBody>
-      </p:sp>
-      <p:sp>
-        <p:nvSpPr>
-          <p:cNvPr id="3" name="Subtitle 2">
-            <a:extLst>
-              <a:ext uri="{FF2B5EF4-FFF2-40B4-BE49-F238E27FC236}">
-                <a16:creationId xmlns:a16="http://schemas.microsoft.com/office/drawing/2014/main" id="{800A0387-514E-67D3-8AD6-0F132BE03B15}"/>
-              </a:ext>
-            </a:extLst>
-          </p:cNvPr>
-          <p:cNvSpPr>
-            <a:spLocks noGrp="1"/>
-          </p:cNvSpPr>
-          <p:nvPr>
-            <p:ph type="subTitle" idx="1"/>
-          </p:nvPr>
-        </p:nvSpPr>
-        <p:spPr>
-          <a:xfrm>
-            <a:off x="910770" y="1182155"/>
-            <a:ext cx="10546037" cy="4881188"/>
-          </a:xfrm>
-        </p:spPr>
-        <p:txBody>
-          <a:bodyPr/>
-          <a:lstStyle/>
-          <a:p>
-            <a:pPr marL="342900" indent="-342900" algn="l">
-              <a:buFont typeface="Arial" panose="020B0604020202020204" pitchFamily="34" charset="0"/>
-              <a:buChar char="•"/>
-            </a:pPr>
-            <a:r>
-              <a:rPr lang="en-US" dirty="0"/>
-              <a:t>There are two datasets sourced from </a:t>
-            </a:r>
-            <a:r>
-              <a:rPr lang="en-US" dirty="0" err="1"/>
-              <a:t>github</a:t>
-            </a:r>
-            <a:r>
-              <a:rPr lang="en-US" dirty="0"/>
-              <a:t>.</a:t>
-            </a:r>
-          </a:p>
-          <a:p>
-            <a:pPr marL="342900" indent="-342900" algn="l">
-              <a:buFont typeface="Arial" panose="020B0604020202020204" pitchFamily="34" charset="0"/>
-              <a:buChar char="•"/>
-            </a:pPr>
-            <a:r>
-              <a:rPr lang="en-US" dirty="0"/>
-              <a:t>Dataset – 1:</a:t>
-            </a:r>
-          </a:p>
-          <a:p>
-            <a:pPr marL="800100" lvl="1" indent="-342900" algn="l">
-              <a:buFont typeface="Arial" panose="020B0604020202020204" pitchFamily="34" charset="0"/>
-              <a:buChar char="•"/>
-            </a:pPr>
-            <a:r>
-              <a:rPr lang="en-US" dirty="0"/>
-              <a:t>Test data – 22 oil spills and 27 no spills </a:t>
-            </a:r>
-          </a:p>
-          <a:p>
-            <a:pPr marL="800100" lvl="1" indent="-342900" algn="l">
-              <a:buFont typeface="Arial" panose="020B0604020202020204" pitchFamily="34" charset="0"/>
-              <a:buChar char="•"/>
-            </a:pPr>
-            <a:r>
-              <a:rPr lang="en-US" dirty="0"/>
-              <a:t>Train data – 99 no spills and 99 oil spills</a:t>
-            </a:r>
-          </a:p>
-          <a:p>
-            <a:pPr marL="342900" indent="-342900" algn="l">
-              <a:buFont typeface="Arial" panose="020B0604020202020204" pitchFamily="34" charset="0"/>
-              <a:buChar char="•"/>
-            </a:pPr>
-            <a:r>
-              <a:rPr lang="en-US" dirty="0"/>
-              <a:t>Dataset – 2:</a:t>
-            </a:r>
-          </a:p>
-          <a:p>
-            <a:pPr marL="800100" lvl="1" indent="-342900" algn="l">
-              <a:buFont typeface="Arial" panose="020B0604020202020204" pitchFamily="34" charset="0"/>
-              <a:buChar char="•"/>
-            </a:pPr>
-            <a:r>
-              <a:rPr lang="en-US" dirty="0"/>
-              <a:t>Test data – 16 oil spills</a:t>
-            </a:r>
-          </a:p>
-          <a:p>
-            <a:pPr marL="800100" lvl="1" indent="-342900" algn="l">
-              <a:buFont typeface="Arial" panose="020B0604020202020204" pitchFamily="34" charset="0"/>
-              <a:buChar char="•"/>
-            </a:pPr>
-            <a:r>
-              <a:rPr lang="en-US" dirty="0"/>
-              <a:t>Train data – 254 oil spills</a:t>
-            </a:r>
-          </a:p>
-        </p:txBody>
-      </p:sp>
-    </p:spTree>
-    <p:extLst>
-      <p:ext uri="{BB962C8B-B14F-4D97-AF65-F5344CB8AC3E}">
-        <p14:creationId xmlns:p14="http://schemas.microsoft.com/office/powerpoint/2010/main" val="1305524863"/>
-      </p:ext>
-    </p:extLst>
-  </p:cSld>
-  <p:clrMapOvr>
-    <a:masterClrMapping/>
-  </p:clrMapOvr>
-</p:sld>
-</file>
-
-<file path=ppt/slides/slide5.xml><?xml version="1.0" encoding="utf-8"?>
 <p:sld xmlns:a="http://schemas.openxmlformats.org/drawingml/2006/main" xmlns:r="http://schemas.openxmlformats.org/officeDocument/2006/relationships" xmlns:p="http://schemas.openxmlformats.org/presentationml/2006/main">
   <p:cSld>
     <p:spTree>
@@ -7198,7 +6819,7 @@
 </p:sld>
 </file>
 
-<file path=ppt/slides/slide6.xml><?xml version="1.0" encoding="utf-8"?>
+<file path=ppt/slides/slide5.xml><?xml version="1.0" encoding="utf-8"?>
 <p:sld xmlns:a="http://schemas.openxmlformats.org/drawingml/2006/main" xmlns:r="http://schemas.openxmlformats.org/officeDocument/2006/relationships" xmlns:p="http://schemas.openxmlformats.org/presentationml/2006/main">
   <p:cSld>
     <p:spTree>
@@ -7431,7 +7052,7 @@
 </p:sld>
 </file>
 
-<file path=ppt/slides/slide7.xml><?xml version="1.0" encoding="utf-8"?>
+<file path=ppt/slides/slide6.xml><?xml version="1.0" encoding="utf-8"?>
 <p:sld xmlns:a="http://schemas.openxmlformats.org/drawingml/2006/main" xmlns:r="http://schemas.openxmlformats.org/officeDocument/2006/relationships" xmlns:p="http://schemas.openxmlformats.org/presentationml/2006/main">
   <p:cSld>
     <p:spTree>
@@ -7531,7 +7152,7 @@
 </p:sld>
 </file>
 
-<file path=ppt/slides/slide8.xml><?xml version="1.0" encoding="utf-8"?>
+<file path=ppt/slides/slide7.xml><?xml version="1.0" encoding="utf-8"?>
 <p:sld xmlns:a="http://schemas.openxmlformats.org/drawingml/2006/main" xmlns:r="http://schemas.openxmlformats.org/officeDocument/2006/relationships" xmlns:p="http://schemas.openxmlformats.org/presentationml/2006/main">
   <p:cSld>
     <p:spTree>
@@ -7565,7 +7186,7 @@
           <a:p>
             <a:r>
               <a:rPr lang="en-GB" dirty="0"/>
-              <a:t>Objectives</a:t>
+              <a:t>Objective</a:t>
             </a:r>
           </a:p>
         </p:txBody>
@@ -7615,7 +7236,7 @@
 </p:sld>
 </file>
 
-<file path=ppt/slides/slide9.xml><?xml version="1.0" encoding="utf-8"?>
+<file path=ppt/slides/slide8.xml><?xml version="1.0" encoding="utf-8"?>
 <p:sld xmlns:a="http://schemas.openxmlformats.org/drawingml/2006/main" xmlns:r="http://schemas.openxmlformats.org/officeDocument/2006/relationships" xmlns:p="http://schemas.openxmlformats.org/presentationml/2006/main">
   <p:cSld>
     <p:spTree>
@@ -7713,6 +7334,216 @@
     <p:extLst>
       <p:ext uri="{BB962C8B-B14F-4D97-AF65-F5344CB8AC3E}">
         <p14:creationId xmlns:p14="http://schemas.microsoft.com/office/powerpoint/2010/main" val="3677332887"/>
+      </p:ext>
+    </p:extLst>
+  </p:cSld>
+  <p:clrMapOvr>
+    <a:masterClrMapping/>
+  </p:clrMapOvr>
+</p:sld>
+</file>
+
+<file path=ppt/slides/slide9.xml><?xml version="1.0" encoding="utf-8"?>
+<p:sld xmlns:a="http://schemas.openxmlformats.org/drawingml/2006/main" xmlns:r="http://schemas.openxmlformats.org/officeDocument/2006/relationships" xmlns:p="http://schemas.openxmlformats.org/presentationml/2006/main">
+  <p:cSld>
+    <p:spTree>
+      <p:nvGrpSpPr>
+        <p:cNvPr id="1" name=""/>
+        <p:cNvGrpSpPr/>
+        <p:nvPr/>
+      </p:nvGrpSpPr>
+      <p:grpSpPr>
+        <a:xfrm>
+          <a:off x="0" y="0"/>
+          <a:ext cx="0" cy="0"/>
+          <a:chOff x="0" y="0"/>
+          <a:chExt cx="0" cy="0"/>
+        </a:xfrm>
+      </p:grpSpPr>
+      <p:sp>
+        <p:nvSpPr>
+          <p:cNvPr id="2" name="Title 1">
+            <a:extLst>
+              <a:ext uri="{FF2B5EF4-FFF2-40B4-BE49-F238E27FC236}">
+                <a16:creationId xmlns:a16="http://schemas.microsoft.com/office/drawing/2014/main" id="{C4356EE3-03CB-AD2D-2F3C-1D576EBF0366}"/>
+              </a:ext>
+            </a:extLst>
+          </p:cNvPr>
+          <p:cNvSpPr>
+            <a:spLocks noGrp="1"/>
+          </p:cNvSpPr>
+          <p:nvPr>
+            <p:ph type="title"/>
+          </p:nvPr>
+        </p:nvSpPr>
+        <p:spPr/>
+        <p:txBody>
+          <a:bodyPr/>
+          <a:lstStyle/>
+          <a:p>
+            <a:r>
+              <a:rPr lang="en-IN" dirty="0"/>
+              <a:t>Expected Outcomes</a:t>
+            </a:r>
+          </a:p>
+        </p:txBody>
+      </p:sp>
+      <p:sp>
+        <p:nvSpPr>
+          <p:cNvPr id="8" name="Rectangle 4">
+            <a:extLst>
+              <a:ext uri="{FF2B5EF4-FFF2-40B4-BE49-F238E27FC236}">
+                <a16:creationId xmlns:a16="http://schemas.microsoft.com/office/drawing/2014/main" id="{012EC7E6-06E9-0628-E9CA-9F46FB4D312C}"/>
+              </a:ext>
+            </a:extLst>
+          </p:cNvPr>
+          <p:cNvSpPr>
+            <a:spLocks noGrp="1" noChangeArrowheads="1"/>
+          </p:cNvSpPr>
+          <p:nvPr>
+            <p:ph idx="1"/>
+          </p:nvPr>
+        </p:nvSpPr>
+        <p:spPr bwMode="auto">
+          <a:xfrm>
+            <a:off x="381895" y="107658"/>
+            <a:ext cx="11232266" cy="4015202"/>
+          </a:xfrm>
+          <a:prstGeom prst="rect">
+            <a:avLst/>
+          </a:prstGeom>
+          <a:noFill/>
+          <a:ln>
+            <a:noFill/>
+          </a:ln>
+          <a:effectLst/>
+          <a:extLst>
+            <a:ext uri="{909E8E84-426E-40DD-AFC4-6F175D3DCCD1}">
+              <a14:hiddenFill xmlns:a14="http://schemas.microsoft.com/office/drawing/2010/main">
+                <a:solidFill>
+                  <a:schemeClr val="accent1"/>
+                </a:solidFill>
+              </a14:hiddenFill>
+            </a:ext>
+            <a:ext uri="{91240B29-F687-4F45-9708-019B960494DF}">
+              <a14:hiddenLine xmlns:a14="http://schemas.microsoft.com/office/drawing/2010/main" w="9525">
+                <a:solidFill>
+                  <a:schemeClr val="tx1"/>
+                </a:solidFill>
+                <a:miter lim="800000"/>
+                <a:headEnd/>
+                <a:tailEnd/>
+              </a14:hiddenLine>
+            </a:ext>
+            <a:ext uri="{AF507438-7753-43E0-B8FC-AC1667EBCBE1}">
+              <a14:hiddenEffects xmlns:a14="http://schemas.microsoft.com/office/drawing/2010/main">
+                <a:effectLst>
+                  <a:outerShdw dist="35921" dir="2700000" algn="ctr" rotWithShape="0">
+                    <a:schemeClr val="bg2"/>
+                  </a:outerShdw>
+                </a:effectLst>
+              </a14:hiddenEffects>
+            </a:ext>
+          </a:extLst>
+        </p:spPr>
+        <p:txBody>
+          <a:bodyPr vert="horz" wrap="square" lIns="91440" tIns="45720" rIns="91440" bIns="45720" numCol="1" anchor="ctr" anchorCtr="0" compatLnSpc="1">
+            <a:prstTxWarp prst="textNoShape">
+              <a:avLst/>
+            </a:prstTxWarp>
+            <a:spAutoFit/>
+          </a:bodyPr>
+          <a:lstStyle/>
+          <a:p>
+            <a:pPr marL="0" indent="0">
+              <a:buNone/>
+            </a:pPr>
+            <a:endParaRPr lang="en-GB" sz="1800" dirty="0">
+              <a:effectLst/>
+              <a:latin typeface="Times New Roman" panose="02020603050405020304" pitchFamily="18" charset="0"/>
+              <a:ea typeface="Times New Roman" panose="02020603050405020304" pitchFamily="18" charset="0"/>
+            </a:endParaRPr>
+          </a:p>
+          <a:p>
+            <a:pPr marL="0" indent="0" algn="just">
+              <a:buNone/>
+            </a:pPr>
+            <a:r>
+              <a:rPr lang="en-US" sz="1800" dirty="0">
+                <a:effectLst/>
+                <a:latin typeface="Times New Roman" panose="02020603050405020304" pitchFamily="18" charset="0"/>
+                <a:ea typeface="Times New Roman" panose="02020603050405020304" pitchFamily="18" charset="0"/>
+              </a:rPr>
+              <a:t> </a:t>
+            </a:r>
+            <a:endParaRPr lang="en-GB" sz="1800" dirty="0">
+              <a:effectLst/>
+              <a:latin typeface="Times New Roman" panose="02020603050405020304" pitchFamily="18" charset="0"/>
+              <a:ea typeface="Times New Roman" panose="02020603050405020304" pitchFamily="18" charset="0"/>
+            </a:endParaRPr>
+          </a:p>
+          <a:p>
+            <a:pPr algn="just">
+              <a:lnSpc>
+                <a:spcPct val="150000"/>
+              </a:lnSpc>
+            </a:pPr>
+            <a:r>
+              <a:rPr lang="en-US" b="1" dirty="0">
+                <a:effectLst/>
+                <a:latin typeface="Times New Roman" panose="02020603050405020304" pitchFamily="18" charset="0"/>
+                <a:ea typeface="Times New Roman" panose="02020603050405020304" pitchFamily="18" charset="0"/>
+              </a:rPr>
+              <a:t>Enhanced Detection Accuracy:</a:t>
+            </a:r>
+            <a:r>
+              <a:rPr lang="en-US" dirty="0">
+                <a:effectLst/>
+                <a:latin typeface="Times New Roman" panose="02020603050405020304" pitchFamily="18" charset="0"/>
+                <a:ea typeface="Times New Roman" panose="02020603050405020304" pitchFamily="18" charset="0"/>
+              </a:rPr>
+              <a:t> The system is designed to significantly improve oil spill detection accuracy by integrating advanced machine learning and deep learning models with multi-source data. This integration leverages detailed spectral and spatial features from SAR imagery and AIS vessel data, ensuring that subtle indicators of oil spills are captured while minimizing false positives.</a:t>
+            </a:r>
+            <a:endParaRPr lang="en-GB" dirty="0">
+              <a:effectLst/>
+              <a:latin typeface="Times New Roman" panose="02020603050405020304" pitchFamily="18" charset="0"/>
+              <a:ea typeface="Times New Roman" panose="02020603050405020304" pitchFamily="18" charset="0"/>
+            </a:endParaRPr>
+          </a:p>
+          <a:p>
+            <a:pPr marL="0" marR="0" lvl="0" indent="0" algn="l" defTabSz="914400" rtl="0" eaLnBrk="0" fontAlgn="base" latinLnBrk="0" hangingPunct="0">
+              <a:lnSpc>
+                <a:spcPct val="200000"/>
+              </a:lnSpc>
+              <a:spcBef>
+                <a:spcPct val="0"/>
+              </a:spcBef>
+              <a:spcAft>
+                <a:spcPct val="0"/>
+              </a:spcAft>
+              <a:buClrTx/>
+              <a:buSzTx/>
+              <a:buNone/>
+              <a:tabLst/>
+            </a:pPr>
+            <a:endParaRPr kumimoji="0" lang="en-US" altLang="en-US" sz="1800" b="0" i="0" u="none" strike="noStrike" cap="none" normalizeH="0" baseline="0" dirty="0">
+              <a:ln>
+                <a:noFill/>
+              </a:ln>
+              <a:solidFill>
+                <a:schemeClr val="tx1"/>
+              </a:solidFill>
+              <a:effectLst/>
+              <a:latin typeface="Times New Roman" panose="02020603050405020304" pitchFamily="18" charset="0"/>
+              <a:cs typeface="Times New Roman" panose="02020603050405020304" pitchFamily="18" charset="0"/>
+            </a:endParaRPr>
+          </a:p>
+        </p:txBody>
+      </p:sp>
+    </p:spTree>
+    <p:extLst>
+      <p:ext uri="{BB962C8B-B14F-4D97-AF65-F5344CB8AC3E}">
+        <p14:creationId xmlns:p14="http://schemas.microsoft.com/office/powerpoint/2010/main" val="3810191117"/>
       </p:ext>
     </p:extLst>
   </p:cSld>
